--- a/inst/extdata/template_blog.pptx
+++ b/inst/extdata/template_blog.pptx
@@ -452,7 +452,7 @@
           <a:p>
             <a:fld id="{862C827D-FC0C-184A-B855-165F1307D257}" type="datetimeFigureOut">
               <a:rPr lang="en-US" smtClean="0"/>
-              <a:t>6/12/20</a:t>
+              <a:t>4/1/22</a:t>
             </a:fld>
             <a:endParaRPr lang="en-US"/>
           </a:p>
@@ -802,7 +802,7 @@
           <a:p>
             <a:fld id="{862C827D-FC0C-184A-B855-165F1307D257}" type="datetimeFigureOut">
               <a:rPr lang="en-US" smtClean="0"/>
-              <a:t>6/12/20</a:t>
+              <a:t>4/1/22</a:t>
             </a:fld>
             <a:endParaRPr lang="en-US"/>
           </a:p>
@@ -1103,6 +1103,183 @@
 </p:sldLayout>
 </file>
 
+<file path=ppt/slideLayouts/slideLayout5.xml><?xml version="1.0" encoding="utf-8"?>
+<p:sldLayout xmlns:a="http://schemas.openxmlformats.org/drawingml/2006/main" xmlns:r="http://schemas.openxmlformats.org/officeDocument/2006/relationships" xmlns:p="http://schemas.openxmlformats.org/presentationml/2006/main" preserve="1" userDrawn="1">
+  <p:cSld name="Blank">
+    <p:spTree>
+      <p:nvGrpSpPr>
+        <p:cNvPr id="1" name=""/>
+        <p:cNvGrpSpPr/>
+        <p:nvPr/>
+      </p:nvGrpSpPr>
+      <p:grpSpPr>
+        <a:xfrm>
+          <a:off x="0" y="0"/>
+          <a:ext cx="0" cy="0"/>
+          <a:chOff x="0" y="0"/>
+          <a:chExt cx="0" cy="0"/>
+        </a:xfrm>
+      </p:grpSpPr>
+      <p:sp>
+        <p:nvSpPr>
+          <p:cNvPr id="2" name="Title 1">
+            <a:extLst>
+              <a:ext uri="{FF2B5EF4-FFF2-40B4-BE49-F238E27FC236}">
+                <a16:creationId xmlns:a16="http://schemas.microsoft.com/office/drawing/2014/main" id="{6BC17464-26F0-F70E-03FB-7D458DC13FC5}"/>
+              </a:ext>
+            </a:extLst>
+          </p:cNvPr>
+          <p:cNvSpPr>
+            <a:spLocks noGrp="1"/>
+          </p:cNvSpPr>
+          <p:nvPr>
+            <p:ph type="title"/>
+          </p:nvPr>
+        </p:nvSpPr>
+        <p:spPr/>
+        <p:txBody>
+          <a:bodyPr/>
+          <a:lstStyle/>
+          <a:p>
+            <a:r>
+              <a:rPr lang="en-US"/>
+              <a:t>Click to edit Master title style</a:t>
+            </a:r>
+            <a:endParaRPr lang="en-AU"/>
+          </a:p>
+        </p:txBody>
+      </p:sp>
+    </p:spTree>
+    <p:extLst>
+      <p:ext uri="{BB962C8B-B14F-4D97-AF65-F5344CB8AC3E}">
+        <p14:creationId xmlns:p14="http://schemas.microsoft.com/office/powerpoint/2010/main" val="340581601"/>
+      </p:ext>
+    </p:extLst>
+  </p:cSld>
+  <p:clrMapOvr>
+    <a:masterClrMapping/>
+  </p:clrMapOvr>
+</p:sldLayout>
+</file>
+
+<file path=ppt/slideLayouts/slideLayout6.xml><?xml version="1.0" encoding="utf-8"?>
+<p:sldLayout xmlns:a="http://schemas.openxmlformats.org/drawingml/2006/main" xmlns:r="http://schemas.openxmlformats.org/officeDocument/2006/relationships" xmlns:p="http://schemas.openxmlformats.org/presentationml/2006/main" preserve="1" userDrawn="1">
+  <p:cSld name="Comparison">
+    <p:spTree>
+      <p:nvGrpSpPr>
+        <p:cNvPr id="1" name=""/>
+        <p:cNvGrpSpPr/>
+        <p:nvPr/>
+      </p:nvGrpSpPr>
+      <p:grpSpPr>
+        <a:xfrm>
+          <a:off x="0" y="0"/>
+          <a:ext cx="0" cy="0"/>
+          <a:chOff x="0" y="0"/>
+          <a:chExt cx="0" cy="0"/>
+        </a:xfrm>
+      </p:grpSpPr>
+      <p:sp>
+        <p:nvSpPr>
+          <p:cNvPr id="2" name="Title 1">
+            <a:extLst>
+              <a:ext uri="{FF2B5EF4-FFF2-40B4-BE49-F238E27FC236}">
+                <a16:creationId xmlns:a16="http://schemas.microsoft.com/office/drawing/2014/main" id="{598E868C-2161-3F70-9E5A-5C38113B1CCD}"/>
+              </a:ext>
+            </a:extLst>
+          </p:cNvPr>
+          <p:cNvSpPr>
+            <a:spLocks noGrp="1"/>
+          </p:cNvSpPr>
+          <p:nvPr>
+            <p:ph type="title"/>
+          </p:nvPr>
+        </p:nvSpPr>
+        <p:spPr/>
+        <p:txBody>
+          <a:bodyPr/>
+          <a:lstStyle/>
+          <a:p>
+            <a:r>
+              <a:rPr lang="en-US"/>
+              <a:t>Click to edit Master title style</a:t>
+            </a:r>
+            <a:endParaRPr lang="en-AU"/>
+          </a:p>
+        </p:txBody>
+      </p:sp>
+    </p:spTree>
+    <p:extLst>
+      <p:ext uri="{BB962C8B-B14F-4D97-AF65-F5344CB8AC3E}">
+        <p14:creationId xmlns:p14="http://schemas.microsoft.com/office/powerpoint/2010/main" val="3568680042"/>
+      </p:ext>
+    </p:extLst>
+  </p:cSld>
+  <p:clrMapOvr>
+    <a:masterClrMapping/>
+  </p:clrMapOvr>
+</p:sldLayout>
+</file>
+
+<file path=ppt/slideLayouts/slideLayout7.xml><?xml version="1.0" encoding="utf-8"?>
+<p:sldLayout xmlns:a="http://schemas.openxmlformats.org/drawingml/2006/main" xmlns:r="http://schemas.openxmlformats.org/officeDocument/2006/relationships" xmlns:p="http://schemas.openxmlformats.org/presentationml/2006/main" preserve="1" userDrawn="1">
+  <p:cSld name="Content with Caption">
+    <p:spTree>
+      <p:nvGrpSpPr>
+        <p:cNvPr id="1" name=""/>
+        <p:cNvGrpSpPr/>
+        <p:nvPr/>
+      </p:nvGrpSpPr>
+      <p:grpSpPr>
+        <a:xfrm>
+          <a:off x="0" y="0"/>
+          <a:ext cx="0" cy="0"/>
+          <a:chOff x="0" y="0"/>
+          <a:chExt cx="0" cy="0"/>
+        </a:xfrm>
+      </p:grpSpPr>
+      <p:sp>
+        <p:nvSpPr>
+          <p:cNvPr id="2" name="Title 1">
+            <a:extLst>
+              <a:ext uri="{FF2B5EF4-FFF2-40B4-BE49-F238E27FC236}">
+                <a16:creationId xmlns:a16="http://schemas.microsoft.com/office/drawing/2014/main" id="{27AED932-2FE5-9703-B8AE-C45091E0F0E2}"/>
+              </a:ext>
+            </a:extLst>
+          </p:cNvPr>
+          <p:cNvSpPr>
+            <a:spLocks noGrp="1"/>
+          </p:cNvSpPr>
+          <p:nvPr>
+            <p:ph type="title"/>
+          </p:nvPr>
+        </p:nvSpPr>
+        <p:spPr/>
+        <p:txBody>
+          <a:bodyPr/>
+          <a:lstStyle/>
+          <a:p>
+            <a:r>
+              <a:rPr lang="en-US"/>
+              <a:t>Click to edit Master title style</a:t>
+            </a:r>
+            <a:endParaRPr lang="en-AU"/>
+          </a:p>
+        </p:txBody>
+      </p:sp>
+    </p:spTree>
+    <p:extLst>
+      <p:ext uri="{BB962C8B-B14F-4D97-AF65-F5344CB8AC3E}">
+        <p14:creationId xmlns:p14="http://schemas.microsoft.com/office/powerpoint/2010/main" val="268031603"/>
+      </p:ext>
+    </p:extLst>
+  </p:cSld>
+  <p:clrMapOvr>
+    <a:masterClrMapping/>
+  </p:clrMapOvr>
+</p:sldLayout>
+</file>
+
 <file path=ppt/slideMasters/slideMaster1.xml><?xml version="1.0" encoding="utf-8"?>
 <p:sldMaster xmlns:a="http://schemas.openxmlformats.org/drawingml/2006/main" xmlns:r="http://schemas.openxmlformats.org/officeDocument/2006/relationships" xmlns:p="http://schemas.openxmlformats.org/presentationml/2006/main">
   <p:cSld>
@@ -1412,7 +1589,7 @@
           <a:p>
             <a:fld id="{862C827D-FC0C-184A-B855-165F1307D257}" type="datetimeFigureOut">
               <a:rPr lang="en-US" smtClean="0"/>
-              <a:t>6/12/20</a:t>
+              <a:t>4/1/22</a:t>
             </a:fld>
             <a:endParaRPr lang="en-US"/>
           </a:p>
@@ -1511,7 +1688,7 @@
           <p:nvPr userDrawn="1"/>
         </p:nvPicPr>
         <p:blipFill>
-          <a:blip r:embed="rId6" cstate="print"/>
+          <a:blip r:embed="rId9" cstate="print"/>
           <a:srcRect/>
           <a:stretch>
             <a:fillRect/>
@@ -1582,6 +1759,9 @@
     <p:sldLayoutId id="2147483662" r:id="rId2"/>
     <p:sldLayoutId id="2147483663" r:id="rId3"/>
     <p:sldLayoutId id="2147483664" r:id="rId4"/>
+    <p:sldLayoutId id="2147483665" r:id="rId5"/>
+    <p:sldLayoutId id="2147483666" r:id="rId6"/>
+    <p:sldLayoutId id="2147483667" r:id="rId7"/>
   </p:sldLayoutIdLst>
   <p:txStyles>
     <p:titleStyle>

--- a/inst/extdata/template_blog.pptx
+++ b/inst/extdata/template_blog.pptx
@@ -4,9 +4,6 @@
   <p:sldMasterIdLst>
     <p:sldMasterId id="2147483660" r:id="rId1"/>
   </p:sldMasterIdLst>
-  <p:sldIdLst>
-    <p:sldId id="256" r:id="rId2"/>
-  </p:sldIdLst>
   <p:sldSz cx="9144000" cy="6858000" type="screen4x3"/>
   <p:notesSz cx="6858000" cy="9144000"/>
   <p:defaultTextStyle>
@@ -452,7 +449,7 @@
           <a:p>
             <a:fld id="{862C827D-FC0C-184A-B855-165F1307D257}" type="datetimeFigureOut">
               <a:rPr lang="en-US" smtClean="0"/>
-              <a:t>4/1/22</a:t>
+              <a:t>12/28/22</a:t>
             </a:fld>
             <a:endParaRPr lang="en-US"/>
           </a:p>
@@ -802,7 +799,7 @@
           <a:p>
             <a:fld id="{862C827D-FC0C-184A-B855-165F1307D257}" type="datetimeFigureOut">
               <a:rPr lang="en-US" smtClean="0"/>
-              <a:t>4/1/22</a:t>
+              <a:t>12/28/22</a:t>
             </a:fld>
             <a:endParaRPr lang="en-US"/>
           </a:p>
@@ -864,7 +861,7 @@
 </file>
 
 <file path=ppt/slideLayouts/slideLayout4.xml><?xml version="1.0" encoding="utf-8"?>
-<p:sldLayout xmlns:a="http://schemas.openxmlformats.org/drawingml/2006/main" xmlns:r="http://schemas.openxmlformats.org/officeDocument/2006/relationships" xmlns:p="http://schemas.openxmlformats.org/presentationml/2006/main" type="twoObj" preserve="1">
+<p:sldLayout xmlns:a="http://schemas.openxmlformats.org/drawingml/2006/main" xmlns:r="http://schemas.openxmlformats.org/officeDocument/2006/relationships" xmlns:p="http://schemas.openxmlformats.org/presentationml/2006/main" preserve="1" userDrawn="1">
   <p:cSld name="Two Content">
     <p:spTree>
       <p:nvGrpSpPr>
@@ -1000,8 +997,8 @@
         </p:nvSpPr>
         <p:spPr>
           <a:xfrm>
-            <a:off x="79200" y="1231200"/>
-            <a:ext cx="8971200" cy="5536800"/>
+            <a:off x="79200" y="1231199"/>
+            <a:ext cx="8971200" cy="5298739"/>
           </a:xfrm>
         </p:spPr>
         <p:txBody>
@@ -1090,6 +1087,43 @@
           </a:p>
         </p:txBody>
       </p:sp>
+      <p:sp>
+        <p:nvSpPr>
+          <p:cNvPr id="8" name="Caption Placeholder 1">
+            <a:extLst>
+              <a:ext uri="{FF2B5EF4-FFF2-40B4-BE49-F238E27FC236}">
+                <a16:creationId xmlns:a16="http://schemas.microsoft.com/office/drawing/2014/main" id="{FC0AE3D2-B888-DD4C-69C1-4D456E5B6C1E}"/>
+              </a:ext>
+            </a:extLst>
+          </p:cNvPr>
+          <p:cNvSpPr>
+            <a:spLocks noGrp="1"/>
+          </p:cNvSpPr>
+          <p:nvPr>
+            <p:ph type="body" sz="quarter" idx="10"/>
+          </p:nvPr>
+        </p:nvSpPr>
+        <p:spPr>
+          <a:xfrm>
+            <a:off x="79375" y="6529939"/>
+            <a:ext cx="8885238" cy="249237"/>
+          </a:xfrm>
+        </p:spPr>
+        <p:txBody>
+          <a:bodyPr>
+            <a:normAutofit/>
+          </a:bodyPr>
+          <a:lstStyle>
+            <a:lvl1pPr>
+              <a:defRPr sz="1000"/>
+            </a:lvl1pPr>
+          </a:lstStyle>
+          <a:p>
+            <a:pPr lvl="0"/>
+            <a:endParaRPr lang="en-US" dirty="0"/>
+          </a:p>
+        </p:txBody>
+      </p:sp>
     </p:spTree>
     <p:extLst>
       <p:ext uri="{BB962C8B-B14F-4D97-AF65-F5344CB8AC3E}">
@@ -1589,7 +1623,7 @@
           <a:p>
             <a:fld id="{862C827D-FC0C-184A-B855-165F1307D257}" type="datetimeFigureOut">
               <a:rPr lang="en-US" smtClean="0"/>
-              <a:t>4/1/22</a:t>
+              <a:t>12/28/22</a:t>
             </a:fld>
             <a:endParaRPr lang="en-US"/>
           </a:p>
@@ -2076,96 +2110,6 @@
 </p:sldMaster>
 </file>
 
-<file path=ppt/slides/slide1.xml><?xml version="1.0" encoding="utf-8"?>
-<p:sld xmlns:a="http://schemas.openxmlformats.org/drawingml/2006/main" xmlns:r="http://schemas.openxmlformats.org/officeDocument/2006/relationships" xmlns:p="http://schemas.openxmlformats.org/presentationml/2006/main">
-  <p:cSld>
-    <p:spTree>
-      <p:nvGrpSpPr>
-        <p:cNvPr id="1" name=""/>
-        <p:cNvGrpSpPr/>
-        <p:nvPr/>
-      </p:nvGrpSpPr>
-      <p:grpSpPr>
-        <a:xfrm>
-          <a:off x="0" y="0"/>
-          <a:ext cx="0" cy="0"/>
-          <a:chOff x="0" y="0"/>
-          <a:chExt cx="0" cy="0"/>
-        </a:xfrm>
-      </p:grpSpPr>
-      <p:sp>
-        <p:nvSpPr>
-          <p:cNvPr id="2" name="Title 1">
-            <a:extLst>
-              <a:ext uri="{FF2B5EF4-FFF2-40B4-BE49-F238E27FC236}">
-                <a16:creationId xmlns:a16="http://schemas.microsoft.com/office/drawing/2014/main" id="{74C555CA-0802-E447-A104-822E53E8CCCD}"/>
-              </a:ext>
-            </a:extLst>
-          </p:cNvPr>
-          <p:cNvSpPr>
-            <a:spLocks noGrp="1"/>
-          </p:cNvSpPr>
-          <p:nvPr>
-            <p:ph type="ctrTitle"/>
-          </p:nvPr>
-        </p:nvSpPr>
-        <p:spPr>
-          <a:xfrm>
-            <a:off x="685800" y="1122363"/>
-            <a:ext cx="7772400" cy="2387600"/>
-          </a:xfrm>
-        </p:spPr>
-        <p:txBody>
-          <a:bodyPr/>
-          <a:lstStyle/>
-          <a:p>
-            <a:endParaRPr lang="en-US" dirty="0"/>
-          </a:p>
-        </p:txBody>
-      </p:sp>
-      <p:sp>
-        <p:nvSpPr>
-          <p:cNvPr id="3" name="Subtitle 2">
-            <a:extLst>
-              <a:ext uri="{FF2B5EF4-FFF2-40B4-BE49-F238E27FC236}">
-                <a16:creationId xmlns:a16="http://schemas.microsoft.com/office/drawing/2014/main" id="{FA633E90-BBEB-3C4A-9B73-0D6D47AC3423}"/>
-              </a:ext>
-            </a:extLst>
-          </p:cNvPr>
-          <p:cNvSpPr>
-            <a:spLocks noGrp="1"/>
-          </p:cNvSpPr>
-          <p:nvPr>
-            <p:ph type="subTitle" idx="4294967295"/>
-          </p:nvPr>
-        </p:nvSpPr>
-        <p:spPr>
-          <a:xfrm>
-            <a:off x="1214919" y="3673957"/>
-            <a:ext cx="6858000" cy="1655762"/>
-          </a:xfrm>
-        </p:spPr>
-        <p:txBody>
-          <a:bodyPr/>
-          <a:lstStyle/>
-          <a:p>
-            <a:endParaRPr lang="en-US" dirty="0"/>
-          </a:p>
-        </p:txBody>
-      </p:sp>
-    </p:spTree>
-    <p:extLst>
-      <p:ext uri="{BB962C8B-B14F-4D97-AF65-F5344CB8AC3E}">
-        <p14:creationId xmlns:p14="http://schemas.microsoft.com/office/powerpoint/2010/main" val="2448407250"/>
-      </p:ext>
-    </p:extLst>
-  </p:cSld>
-  <p:clrMapOvr>
-    <a:masterClrMapping/>
-  </p:clrMapOvr>
-</p:sld>
-</file>
-
 <file path=ppt/theme/theme1.xml><?xml version="1.0" encoding="utf-8"?>
 <a:theme xmlns:a="http://schemas.openxmlformats.org/drawingml/2006/main" name="Office Theme">
   <a:themeElements>
